--- a/FuncPlotter/10-4.RestOfJava.pptx
+++ b/FuncPlotter/10-4.RestOfJava.pptx
@@ -1281,7 +1281,7 @@
           <a:p>
             <a:fld id="{0BFA9ACB-5BED-4E62-AAEE-A93CE31A4B3F}" type="datetimeFigureOut">
               <a:rPr lang="en-US" smtClean="0"/>
-              <a:t>5/12/2022</a:t>
+              <a:t>5/16/2022</a:t>
             </a:fld>
             <a:endParaRPr lang="en-US"/>
           </a:p>
@@ -1799,7 +1799,7 @@
           <a:p>
             <a:fld id="{C764DE79-268F-4C1A-8933-263129D2AF90}" type="datetimeFigureOut">
               <a:rPr lang="en-US" smtClean="0"/>
-              <a:t>5/12/2022</a:t>
+              <a:t>5/16/2022</a:t>
             </a:fld>
             <a:endParaRPr lang="en-US" dirty="0"/>
           </a:p>
@@ -1969,7 +1969,7 @@
           <a:p>
             <a:fld id="{C764DE79-268F-4C1A-8933-263129D2AF90}" type="datetimeFigureOut">
               <a:rPr lang="en-US" smtClean="0"/>
-              <a:t>5/12/2022</a:t>
+              <a:t>5/16/2022</a:t>
             </a:fld>
             <a:endParaRPr lang="en-US" dirty="0"/>
           </a:p>
@@ -2149,7 +2149,7 @@
           <a:p>
             <a:fld id="{C764DE79-268F-4C1A-8933-263129D2AF90}" type="datetimeFigureOut">
               <a:rPr lang="en-US" smtClean="0"/>
-              <a:t>5/12/2022</a:t>
+              <a:t>5/16/2022</a:t>
             </a:fld>
             <a:endParaRPr lang="en-US" dirty="0"/>
           </a:p>
@@ -2319,7 +2319,7 @@
           <a:p>
             <a:fld id="{C764DE79-268F-4C1A-8933-263129D2AF90}" type="datetimeFigureOut">
               <a:rPr lang="en-US" smtClean="0"/>
-              <a:t>5/12/2022</a:t>
+              <a:t>5/16/2022</a:t>
             </a:fld>
             <a:endParaRPr lang="en-US" dirty="0"/>
           </a:p>
@@ -2565,7 +2565,7 @@
           <a:p>
             <a:fld id="{C764DE79-268F-4C1A-8933-263129D2AF90}" type="datetimeFigureOut">
               <a:rPr lang="en-US" smtClean="0"/>
-              <a:t>5/12/2022</a:t>
+              <a:t>5/16/2022</a:t>
             </a:fld>
             <a:endParaRPr lang="en-US" dirty="0"/>
           </a:p>
@@ -2797,7 +2797,7 @@
           <a:p>
             <a:fld id="{C764DE79-268F-4C1A-8933-263129D2AF90}" type="datetimeFigureOut">
               <a:rPr lang="en-US" smtClean="0"/>
-              <a:t>5/12/2022</a:t>
+              <a:t>5/16/2022</a:t>
             </a:fld>
             <a:endParaRPr lang="en-US" dirty="0"/>
           </a:p>
@@ -3164,7 +3164,7 @@
           <a:p>
             <a:fld id="{C764DE79-268F-4C1A-8933-263129D2AF90}" type="datetimeFigureOut">
               <a:rPr lang="en-US" smtClean="0"/>
-              <a:t>5/12/2022</a:t>
+              <a:t>5/16/2022</a:t>
             </a:fld>
             <a:endParaRPr lang="en-US" dirty="0"/>
           </a:p>
@@ -3282,7 +3282,7 @@
           <a:p>
             <a:fld id="{C764DE79-268F-4C1A-8933-263129D2AF90}" type="datetimeFigureOut">
               <a:rPr lang="en-US" smtClean="0"/>
-              <a:t>5/12/2022</a:t>
+              <a:t>5/16/2022</a:t>
             </a:fld>
             <a:endParaRPr lang="en-US" dirty="0"/>
           </a:p>
@@ -3377,7 +3377,7 @@
           <a:p>
             <a:fld id="{C764DE79-268F-4C1A-8933-263129D2AF90}" type="datetimeFigureOut">
               <a:rPr lang="en-US" smtClean="0"/>
-              <a:t>5/12/2022</a:t>
+              <a:t>5/16/2022</a:t>
             </a:fld>
             <a:endParaRPr lang="en-US" dirty="0"/>
           </a:p>
@@ -3654,7 +3654,7 @@
           <a:p>
             <a:fld id="{C764DE79-268F-4C1A-8933-263129D2AF90}" type="datetimeFigureOut">
               <a:rPr lang="en-US" smtClean="0"/>
-              <a:t>5/12/2022</a:t>
+              <a:t>5/16/2022</a:t>
             </a:fld>
             <a:endParaRPr lang="en-US" dirty="0"/>
           </a:p>
@@ -3911,7 +3911,7 @@
           <a:p>
             <a:fld id="{C764DE79-268F-4C1A-8933-263129D2AF90}" type="datetimeFigureOut">
               <a:rPr lang="en-US" smtClean="0"/>
-              <a:t>5/12/2022</a:t>
+              <a:t>5/16/2022</a:t>
             </a:fld>
             <a:endParaRPr lang="en-US" dirty="0"/>
           </a:p>
@@ -4124,7 +4124,7 @@
           <a:p>
             <a:fld id="{C764DE79-268F-4C1A-8933-263129D2AF90}" type="datetimeFigureOut">
               <a:rPr lang="en-US" smtClean="0"/>
-              <a:t>5/12/2022</a:t>
+              <a:t>5/16/2022</a:t>
             </a:fld>
             <a:endParaRPr lang="en-US" dirty="0"/>
           </a:p>
@@ -4805,7 +4805,7 @@
         <p:spPr>
           <a:xfrm>
             <a:off x="266445" y="266447"/>
-            <a:ext cx="6375649" cy="3070205"/>
+            <a:ext cx="6221509" cy="3070205"/>
           </a:xfrm>
           <a:prstGeom prst="rect">
             <a:avLst/>
@@ -5035,7 +5035,7 @@
         <p:spPr>
           <a:xfrm>
             <a:off x="266448" y="3429001"/>
-            <a:ext cx="6375648" cy="3162552"/>
+            <a:ext cx="6221506" cy="3162552"/>
           </a:xfrm>
           <a:prstGeom prst="rect">
             <a:avLst/>
@@ -5316,8 +5316,8 @@
         </p:nvSpPr>
         <p:spPr>
           <a:xfrm>
-            <a:off x="6642095" y="266447"/>
-            <a:ext cx="5378330" cy="1350404"/>
+            <a:off x="6487958" y="266447"/>
+            <a:ext cx="5532467" cy="1350404"/>
           </a:xfrm>
           <a:prstGeom prst="rect">
             <a:avLst/>
@@ -5359,7 +5359,7 @@
               <a:rPr lang="en-US" sz="1400" dirty="0">
                 <a:latin typeface="Consolas" panose="020B0609020204030204" pitchFamily="49" charset="0"/>
               </a:rPr>
-              <a:t>    int </a:t>
+              <a:t>    String </a:t>
             </a:r>
             <a:r>
               <a:rPr lang="en-US" sz="1400" dirty="0" err="1">
@@ -5398,8 +5398,8 @@
         </p:nvSpPr>
         <p:spPr>
           <a:xfrm>
-            <a:off x="6642092" y="1616853"/>
-            <a:ext cx="5378329" cy="1719800"/>
+            <a:off x="6487958" y="1616853"/>
+            <a:ext cx="5532463" cy="1719800"/>
           </a:xfrm>
           <a:prstGeom prst="rect">
             <a:avLst/>
@@ -5448,6 +5448,12 @@
           </a:p>
           <a:p>
             <a:r>
+              <a:rPr lang="en-US" sz="1400" dirty="0">
+                <a:latin typeface="Consolas" panose="020B0609020204030204" pitchFamily="49" charset="0"/>
+              </a:rPr>
+              <a:t>String s = </a:t>
+            </a:r>
+            <a:r>
               <a:rPr lang="en-US" sz="1400" dirty="0" err="1">
                 <a:latin typeface="Consolas" panose="020B0609020204030204" pitchFamily="49" charset="0"/>
               </a:rPr>
@@ -5496,8 +5502,8 @@
         </p:nvSpPr>
         <p:spPr>
           <a:xfrm>
-            <a:off x="6642100" y="3428998"/>
-            <a:ext cx="5378320" cy="1090011"/>
+            <a:off x="6487953" y="3428998"/>
+            <a:ext cx="5532467" cy="1090011"/>
           </a:xfrm>
           <a:prstGeom prst="rect">
             <a:avLst/>
@@ -5525,7 +5531,7 @@
               <a:rPr lang="en-US" sz="1400" dirty="0" err="1">
                 <a:latin typeface="Consolas" panose="020B0609020204030204" pitchFamily="49" charset="0"/>
               </a:rPr>
-              <a:t>MyInterface</a:t>
+              <a:t>MyOtherInterface</a:t>
             </a:r>
             <a:r>
               <a:rPr lang="en-US" sz="1400" dirty="0">
@@ -5539,15 +5545,15 @@
               <a:rPr lang="en-US" sz="1400" dirty="0">
                 <a:latin typeface="Consolas" panose="020B0609020204030204" pitchFamily="49" charset="0"/>
               </a:rPr>
-              <a:t>    int myMethod1 (String myParam1, float myParam2);</a:t>
-            </a:r>
-          </a:p>
-          <a:p>
-            <a:r>
-              <a:rPr lang="en-US" sz="1400" dirty="0">
-                <a:latin typeface="Consolas" panose="020B0609020204030204" pitchFamily="49" charset="0"/>
-              </a:rPr>
-              <a:t>    void myMethod2 (int myParam3);</a:t>
+              <a:t>   String myMethod1 (String myParam1, float myParam2);</a:t>
+            </a:r>
+          </a:p>
+          <a:p>
+            <a:r>
+              <a:rPr lang="en-US" sz="1400" dirty="0">
+                <a:latin typeface="Consolas" panose="020B0609020204030204" pitchFamily="49" charset="0"/>
+              </a:rPr>
+              <a:t>   void myMethod2 (int myParam3);</a:t>
             </a:r>
           </a:p>
           <a:p>
@@ -5574,8 +5580,8 @@
         </p:nvSpPr>
         <p:spPr>
           <a:xfrm>
-            <a:off x="6642098" y="4519011"/>
-            <a:ext cx="5378320" cy="2072542"/>
+            <a:off x="6487951" y="4519011"/>
+            <a:ext cx="5532467" cy="2072542"/>
           </a:xfrm>
           <a:prstGeom prst="rect">
             <a:avLst/>
@@ -5605,7 +5611,7 @@
               <a:rPr lang="en-US" sz="1400" dirty="0" err="1">
                 <a:latin typeface="Consolas" panose="020B0609020204030204" pitchFamily="49" charset="0"/>
               </a:rPr>
-              <a:t>MyInterface</a:t>
+              <a:t>MyOtherInterface</a:t>
             </a:r>
             <a:r>
               <a:rPr lang="en-US" sz="1400" dirty="0">
@@ -5617,7 +5623,7 @@
               <a:rPr lang="en-US" sz="1400" dirty="0" err="1">
                 <a:latin typeface="Consolas" panose="020B0609020204030204" pitchFamily="49" charset="0"/>
               </a:rPr>
-              <a:t>MyInterface</a:t>
+              <a:t>MyOtherInterface</a:t>
             </a:r>
             <a:r>
               <a:rPr lang="en-US" sz="1400" dirty="0">
@@ -5631,15 +5637,23 @@
               <a:rPr lang="en-US" sz="1400" dirty="0">
                 <a:latin typeface="Consolas" panose="020B0609020204030204" pitchFamily="49" charset="0"/>
               </a:rPr>
-              <a:t>    int myMethod1 (String p1, float p2) { ... }</a:t>
-            </a:r>
-          </a:p>
-          <a:p>
-            <a:r>
-              <a:rPr lang="en-US" sz="1400" dirty="0">
-                <a:latin typeface="Consolas" panose="020B0609020204030204" pitchFamily="49" charset="0"/>
-              </a:rPr>
-              <a:t>    void myMethod2 (int p3) { ... }};</a:t>
+              <a:t>   String myMethod1 (String p1, float p2) { ... }</a:t>
+            </a:r>
+          </a:p>
+          <a:p>
+            <a:r>
+              <a:rPr lang="en-US" sz="1400" dirty="0">
+                <a:latin typeface="Consolas" panose="020B0609020204030204" pitchFamily="49" charset="0"/>
+              </a:rPr>
+              <a:t>   void myMethod2 (int p3) { ... }</a:t>
+            </a:r>
+          </a:p>
+          <a:p>
+            <a:r>
+              <a:rPr lang="en-US" sz="1400" dirty="0">
+                <a:latin typeface="Consolas" panose="020B0609020204030204" pitchFamily="49" charset="0"/>
+              </a:rPr>
+              <a:t>};</a:t>
             </a:r>
           </a:p>
           <a:p>
@@ -5661,35 +5675,45 @@
               <a:rPr lang="en-US" sz="1400" dirty="0">
                 <a:latin typeface="Consolas" panose="020B0609020204030204" pitchFamily="49" charset="0"/>
               </a:rPr>
-              <a:t>(f.myMethod1(“</a:t>
+              <a:t>(</a:t>
             </a:r>
             <a:r>
               <a:rPr lang="en-US" sz="1400" dirty="0" err="1">
                 <a:latin typeface="Consolas" panose="020B0609020204030204" pitchFamily="49" charset="0"/>
               </a:rPr>
+              <a:t>f.myMethod1</a:t>
+            </a:r>
+            <a:r>
+              <a:rPr lang="en-US" sz="1400" dirty="0">
+                <a:latin typeface="Consolas" panose="020B0609020204030204" pitchFamily="49" charset="0"/>
+              </a:rPr>
+              <a:t>("</a:t>
+            </a:r>
+            <a:r>
+              <a:rPr lang="en-US" sz="1400" dirty="0" err="1">
+                <a:latin typeface="Consolas" panose="020B0609020204030204" pitchFamily="49" charset="0"/>
+              </a:rPr>
               <a:t>abc</a:t>
             </a:r>
             <a:r>
               <a:rPr lang="en-US" sz="1400" dirty="0">
                 <a:latin typeface="Consolas" panose="020B0609020204030204" pitchFamily="49" charset="0"/>
               </a:rPr>
-              <a:t>”, 4.2));</a:t>
-            </a:r>
-          </a:p>
-          <a:p>
-            <a:r>
-              <a:rPr lang="en-US" sz="1400" dirty="0">
-                <a:latin typeface="Consolas" panose="020B0609020204030204" pitchFamily="49" charset="0"/>
-              </a:rPr>
-              <a:t>...</a:t>
-            </a:r>
-          </a:p>
-          <a:p>
-            <a:r>
-              <a:rPr lang="en-US" sz="1400" dirty="0">
-                <a:latin typeface="Consolas" panose="020B0609020204030204" pitchFamily="49" charset="0"/>
-              </a:rPr>
-              <a:t>f.myMethod2(37);</a:t>
+              <a:t>", 4.2));</a:t>
+            </a:r>
+          </a:p>
+          <a:p>
+            <a:r>
+              <a:rPr lang="en-US" sz="1400" dirty="0" err="1">
+                <a:latin typeface="Consolas" panose="020B0609020204030204" pitchFamily="49" charset="0"/>
+              </a:rPr>
+              <a:t>f.myMethod2</a:t>
+            </a:r>
+            <a:r>
+              <a:rPr lang="en-US" sz="1400" dirty="0">
+                <a:latin typeface="Consolas" panose="020B0609020204030204" pitchFamily="49" charset="0"/>
+              </a:rPr>
+              <a:t>(37);</a:t>
             </a:r>
           </a:p>
           <a:p>
@@ -5800,8 +5824,8 @@
         </p:nvSpPr>
         <p:spPr>
           <a:xfrm>
-            <a:off x="266447" y="274021"/>
-            <a:ext cx="6503746" cy="3162552"/>
+            <a:off x="266447" y="278885"/>
+            <a:ext cx="6377543" cy="3162552"/>
           </a:xfrm>
           <a:prstGeom prst="rect">
             <a:avLst/>
@@ -6042,8 +6066,8 @@
         </p:nvSpPr>
         <p:spPr>
           <a:xfrm>
-            <a:off x="6770194" y="272501"/>
-            <a:ext cx="5250228" cy="708510"/>
+            <a:off x="6643990" y="272501"/>
+            <a:ext cx="5376432" cy="708510"/>
           </a:xfrm>
           <a:prstGeom prst="rect">
             <a:avLst/>
@@ -6140,8 +6164,8 @@
         </p:nvSpPr>
         <p:spPr>
           <a:xfrm>
-            <a:off x="6770194" y="981011"/>
-            <a:ext cx="5250228" cy="2455561"/>
+            <a:off x="6643990" y="981011"/>
+            <a:ext cx="5376432" cy="2455561"/>
           </a:xfrm>
           <a:prstGeom prst="rect">
             <a:avLst/>
@@ -6247,7 +6271,7 @@
         <p:spPr>
           <a:xfrm>
             <a:off x="266448" y="3519847"/>
-            <a:ext cx="6503746" cy="3064132"/>
+            <a:ext cx="6377543" cy="3064132"/>
           </a:xfrm>
           <a:prstGeom prst="rect">
             <a:avLst/>
@@ -6472,8 +6496,8 @@
         </p:nvSpPr>
         <p:spPr>
           <a:xfrm>
-            <a:off x="6770194" y="3518327"/>
-            <a:ext cx="3972494" cy="3064132"/>
+            <a:off x="6643990" y="3518327"/>
+            <a:ext cx="4098698" cy="3064132"/>
           </a:xfrm>
           <a:prstGeom prst="rect">
             <a:avLst/>
@@ -10498,8 +10522,8 @@
           </a:p>
         </p:txBody>
       </p:sp>
-      <mc:AlternateContent xmlns:mc="http://schemas.openxmlformats.org/markup-compatibility/2006">
-        <mc:Choice xmlns:a14="http://schemas.microsoft.com/office/drawing/2010/main" Requires="a14">
+      <mc:AlternateContent xmlns:mc="http://schemas.openxmlformats.org/markup-compatibility/2006" xmlns:a14="http://schemas.microsoft.com/office/drawing/2010/main">
+        <mc:Choice Requires="a14">
           <p:sp>
             <p:nvSpPr>
               <p:cNvPr id="9" name="TextBox 8">
@@ -11604,7 +11628,7 @@
             </p:txBody>
           </p:sp>
         </mc:Choice>
-        <mc:Fallback>
+        <mc:Fallback xmlns="">
           <p:sp>
             <p:nvSpPr>
               <p:cNvPr id="9" name="TextBox 8">
